--- a/3차재심수정자료제출 5-4(이승해,신동윤,김주호).pptx
+++ b/3차재심수정자료제출 5-4(이승해,신동윤,김주호).pptx
@@ -36,7 +36,7 @@
   <p:notesSz cx="6858000" cy="9144000"/>
   <p:embeddedFontLst>
     <p:embeddedFont>
-      <p:font typeface="BusanBada" panose="020B0600000101010101" charset="-127"/>
+      <p:font typeface="BusanBada" panose="02000603000000000000" pitchFamily="2" charset="-127"/>
       <p:regular r:id="rId24"/>
     </p:embeddedFont>
     <p:embeddedFont>
@@ -9189,10 +9189,10 @@
       </p:sp>
       <p:pic>
         <p:nvPicPr>
-          <p:cNvPr id="6" name="그림 5" descr="스크린샷이(가) 표시된 사진&#10;&#10;매우 높은 신뢰도로 생성된 설명">
+          <p:cNvPr id="3" name="그림 2" descr="스크린샷이(가) 표시된 사진&#10;&#10;매우 높은 신뢰도로 생성된 설명">
             <a:extLst>
               <a:ext uri="{FF2B5EF4-FFF2-40B4-BE49-F238E27FC236}">
-                <a16:creationId xmlns:a16="http://schemas.microsoft.com/office/drawing/2014/main" id="{F0678597-95C9-4DB8-9D7B-3F70ED19BCE2}"/>
+                <a16:creationId xmlns:a16="http://schemas.microsoft.com/office/drawing/2014/main" id="{F5EE9260-8CC3-45DD-850B-F2D0ACC0E23E}"/>
               </a:ext>
             </a:extLst>
           </p:cNvPr>
@@ -9202,7 +9202,7 @@
           <p:nvPr/>
         </p:nvPicPr>
         <p:blipFill>
-          <a:blip r:embed="rId3">
+          <a:blip r:embed="rId3" cstate="print">
             <a:extLst>
               <a:ext uri="{28A0092B-C50C-407E-A947-70E740481C1C}">
                 <a14:useLocalDpi xmlns:a14="http://schemas.microsoft.com/office/drawing/2010/main" val="0"/>
@@ -9215,8 +9215,8 @@
         </p:blipFill>
         <p:spPr>
           <a:xfrm>
-            <a:off x="165446" y="1242150"/>
-            <a:ext cx="4241109" cy="2761358"/>
+            <a:off x="395536" y="1216588"/>
+            <a:ext cx="3694281" cy="2710323"/>
           </a:xfrm>
           <a:prstGeom prst="rect">
             <a:avLst/>
